--- a/HW3/HC.pptx
+++ b/HW3/HC.pptx
@@ -8,14 +8,18 @@
     <p:sldId id="256" r:id="rId2"/>
     <p:sldId id="257" r:id="rId3"/>
     <p:sldId id="259" r:id="rId4"/>
-    <p:sldId id="261" r:id="rId5"/>
-    <p:sldId id="258" r:id="rId6"/>
-    <p:sldId id="262" r:id="rId7"/>
-    <p:sldId id="263" r:id="rId8"/>
-    <p:sldId id="264" r:id="rId9"/>
-    <p:sldId id="265" r:id="rId10"/>
-    <p:sldId id="266" r:id="rId11"/>
-    <p:sldId id="260" r:id="rId12"/>
+    <p:sldId id="269" r:id="rId5"/>
+    <p:sldId id="270" r:id="rId6"/>
+    <p:sldId id="267" r:id="rId7"/>
+    <p:sldId id="271" r:id="rId8"/>
+    <p:sldId id="268" r:id="rId9"/>
+    <p:sldId id="258" r:id="rId10"/>
+    <p:sldId id="262" r:id="rId11"/>
+    <p:sldId id="263" r:id="rId12"/>
+    <p:sldId id="264" r:id="rId13"/>
+    <p:sldId id="265" r:id="rId14"/>
+    <p:sldId id="266" r:id="rId15"/>
+    <p:sldId id="260" r:id="rId16"/>
   </p:sldIdLst>
   <p:sldSz cx="12192000" cy="6858000"/>
   <p:notesSz cx="6858000" cy="9144000"/>
@@ -5748,6 +5752,362 @@
           <a:p>
             <a:r>
               <a:rPr lang="en-US" dirty="0"/>
+              <a:t>transformers</a:t>
+            </a:r>
+            <a:endParaRPr lang="he-IL" dirty="0"/>
+          </a:p>
+        </p:txBody>
+      </p:sp>
+      <p:sp>
+        <p:nvSpPr>
+          <p:cNvPr id="3" name="מציין מיקום תוכן 2">
+            <a:extLst>
+              <a:ext uri="{FF2B5EF4-FFF2-40B4-BE49-F238E27FC236}">
+                <a16:creationId xmlns:a16="http://schemas.microsoft.com/office/drawing/2014/main" id="{0FDB27D4-C5D3-E0E8-53CD-9EE1A2DE842E}"/>
+              </a:ext>
+            </a:extLst>
+          </p:cNvPr>
+          <p:cNvSpPr>
+            <a:spLocks noGrp="1"/>
+          </p:cNvSpPr>
+          <p:nvPr>
+            <p:ph idx="1"/>
+          </p:nvPr>
+        </p:nvSpPr>
+        <p:spPr/>
+        <p:txBody>
+          <a:bodyPr/>
+          <a:lstStyle/>
+          <a:p>
+            <a:pPr algn="l" rtl="0"/>
+            <a:r>
+              <a:rPr lang="en-US" dirty="0" err="1"/>
+              <a:t>aaa</a:t>
+            </a:r>
+            <a:endParaRPr lang="he-IL" dirty="0"/>
+          </a:p>
+        </p:txBody>
+      </p:sp>
+    </p:spTree>
+    <p:extLst>
+      <p:ext uri="{BB962C8B-B14F-4D97-AF65-F5344CB8AC3E}">
+        <p14:creationId xmlns:p14="http://schemas.microsoft.com/office/powerpoint/2010/main" val="1229079525"/>
+      </p:ext>
+    </p:extLst>
+  </p:cSld>
+  <p:clrMapOvr>
+    <a:masterClrMapping/>
+  </p:clrMapOvr>
+</p:sld>
+</file>
+
+<file path=ppt/slides/slide11.xml><?xml version="1.0" encoding="utf-8"?>
+<p:sld xmlns:a="http://schemas.openxmlformats.org/drawingml/2006/main" xmlns:r="http://schemas.openxmlformats.org/officeDocument/2006/relationships" xmlns:p="http://schemas.openxmlformats.org/presentationml/2006/main">
+  <p:cSld>
+    <p:spTree>
+      <p:nvGrpSpPr>
+        <p:cNvPr id="1" name=""/>
+        <p:cNvGrpSpPr/>
+        <p:nvPr/>
+      </p:nvGrpSpPr>
+      <p:grpSpPr>
+        <a:xfrm>
+          <a:off x="0" y="0"/>
+          <a:ext cx="0" cy="0"/>
+          <a:chOff x="0" y="0"/>
+          <a:chExt cx="0" cy="0"/>
+        </a:xfrm>
+      </p:grpSpPr>
+      <p:sp>
+        <p:nvSpPr>
+          <p:cNvPr id="2" name="כותרת 1">
+            <a:extLst>
+              <a:ext uri="{FF2B5EF4-FFF2-40B4-BE49-F238E27FC236}">
+                <a16:creationId xmlns:a16="http://schemas.microsoft.com/office/drawing/2014/main" id="{5E071A4F-2BEE-90BB-AC2D-0D16E0692A13}"/>
+              </a:ext>
+            </a:extLst>
+          </p:cNvPr>
+          <p:cNvSpPr>
+            <a:spLocks noGrp="1"/>
+          </p:cNvSpPr>
+          <p:nvPr>
+            <p:ph type="title"/>
+          </p:nvPr>
+        </p:nvSpPr>
+        <p:spPr/>
+        <p:txBody>
+          <a:bodyPr/>
+          <a:lstStyle/>
+          <a:p>
+            <a:r>
+              <a:rPr lang="en-US" dirty="0"/>
+              <a:t>VISUAL transformers</a:t>
+            </a:r>
+            <a:endParaRPr lang="he-IL" dirty="0"/>
+          </a:p>
+        </p:txBody>
+      </p:sp>
+      <p:sp>
+        <p:nvSpPr>
+          <p:cNvPr id="3" name="מציין מיקום תוכן 2">
+            <a:extLst>
+              <a:ext uri="{FF2B5EF4-FFF2-40B4-BE49-F238E27FC236}">
+                <a16:creationId xmlns:a16="http://schemas.microsoft.com/office/drawing/2014/main" id="{0FDB27D4-C5D3-E0E8-53CD-9EE1A2DE842E}"/>
+              </a:ext>
+            </a:extLst>
+          </p:cNvPr>
+          <p:cNvSpPr>
+            <a:spLocks noGrp="1"/>
+          </p:cNvSpPr>
+          <p:nvPr>
+            <p:ph idx="1"/>
+          </p:nvPr>
+        </p:nvSpPr>
+        <p:spPr/>
+        <p:txBody>
+          <a:bodyPr/>
+          <a:lstStyle/>
+          <a:p>
+            <a:pPr algn="l" rtl="0"/>
+            <a:r>
+              <a:rPr lang="en-US" dirty="0" err="1"/>
+              <a:t>aaa</a:t>
+            </a:r>
+            <a:endParaRPr lang="he-IL" dirty="0"/>
+          </a:p>
+        </p:txBody>
+      </p:sp>
+    </p:spTree>
+    <p:extLst>
+      <p:ext uri="{BB962C8B-B14F-4D97-AF65-F5344CB8AC3E}">
+        <p14:creationId xmlns:p14="http://schemas.microsoft.com/office/powerpoint/2010/main" val="3706764194"/>
+      </p:ext>
+    </p:extLst>
+  </p:cSld>
+  <p:clrMapOvr>
+    <a:masterClrMapping/>
+  </p:clrMapOvr>
+</p:sld>
+</file>
+
+<file path=ppt/slides/slide12.xml><?xml version="1.0" encoding="utf-8"?>
+<p:sld xmlns:a="http://schemas.openxmlformats.org/drawingml/2006/main" xmlns:r="http://schemas.openxmlformats.org/officeDocument/2006/relationships" xmlns:p="http://schemas.openxmlformats.org/presentationml/2006/main">
+  <p:cSld>
+    <p:spTree>
+      <p:nvGrpSpPr>
+        <p:cNvPr id="1" name=""/>
+        <p:cNvGrpSpPr/>
+        <p:nvPr/>
+      </p:nvGrpSpPr>
+      <p:grpSpPr>
+        <a:xfrm>
+          <a:off x="0" y="0"/>
+          <a:ext cx="0" cy="0"/>
+          <a:chOff x="0" y="0"/>
+          <a:chExt cx="0" cy="0"/>
+        </a:xfrm>
+      </p:grpSpPr>
+      <p:sp>
+        <p:nvSpPr>
+          <p:cNvPr id="2" name="כותרת 1">
+            <a:extLst>
+              <a:ext uri="{FF2B5EF4-FFF2-40B4-BE49-F238E27FC236}">
+                <a16:creationId xmlns:a16="http://schemas.microsoft.com/office/drawing/2014/main" id="{5E071A4F-2BEE-90BB-AC2D-0D16E0692A13}"/>
+              </a:ext>
+            </a:extLst>
+          </p:cNvPr>
+          <p:cNvSpPr>
+            <a:spLocks noGrp="1"/>
+          </p:cNvSpPr>
+          <p:nvPr>
+            <p:ph type="title"/>
+          </p:nvPr>
+        </p:nvSpPr>
+        <p:spPr/>
+        <p:txBody>
+          <a:bodyPr/>
+          <a:lstStyle/>
+          <a:p>
+            <a:r>
+              <a:rPr lang="en-US" dirty="0"/>
+              <a:t>DISADVANGES</a:t>
+            </a:r>
+            <a:endParaRPr lang="he-IL" dirty="0"/>
+          </a:p>
+        </p:txBody>
+      </p:sp>
+      <p:sp>
+        <p:nvSpPr>
+          <p:cNvPr id="3" name="מציין מיקום תוכן 2">
+            <a:extLst>
+              <a:ext uri="{FF2B5EF4-FFF2-40B4-BE49-F238E27FC236}">
+                <a16:creationId xmlns:a16="http://schemas.microsoft.com/office/drawing/2014/main" id="{0FDB27D4-C5D3-E0E8-53CD-9EE1A2DE842E}"/>
+              </a:ext>
+            </a:extLst>
+          </p:cNvPr>
+          <p:cNvSpPr>
+            <a:spLocks noGrp="1"/>
+          </p:cNvSpPr>
+          <p:nvPr>
+            <p:ph idx="1"/>
+          </p:nvPr>
+        </p:nvSpPr>
+        <p:spPr/>
+        <p:txBody>
+          <a:bodyPr/>
+          <a:lstStyle/>
+          <a:p>
+            <a:pPr algn="l" rtl="0"/>
+            <a:r>
+              <a:rPr lang="en-US" dirty="0" err="1"/>
+              <a:t>aaa</a:t>
+            </a:r>
+            <a:endParaRPr lang="he-IL" dirty="0"/>
+          </a:p>
+        </p:txBody>
+      </p:sp>
+    </p:spTree>
+    <p:extLst>
+      <p:ext uri="{BB962C8B-B14F-4D97-AF65-F5344CB8AC3E}">
+        <p14:creationId xmlns:p14="http://schemas.microsoft.com/office/powerpoint/2010/main" val="3350424208"/>
+      </p:ext>
+    </p:extLst>
+  </p:cSld>
+  <p:clrMapOvr>
+    <a:masterClrMapping/>
+  </p:clrMapOvr>
+</p:sld>
+</file>
+
+<file path=ppt/slides/slide13.xml><?xml version="1.0" encoding="utf-8"?>
+<p:sld xmlns:a="http://schemas.openxmlformats.org/drawingml/2006/main" xmlns:r="http://schemas.openxmlformats.org/officeDocument/2006/relationships" xmlns:p="http://schemas.openxmlformats.org/presentationml/2006/main">
+  <p:cSld>
+    <p:spTree>
+      <p:nvGrpSpPr>
+        <p:cNvPr id="1" name=""/>
+        <p:cNvGrpSpPr/>
+        <p:nvPr/>
+      </p:nvGrpSpPr>
+      <p:grpSpPr>
+        <a:xfrm>
+          <a:off x="0" y="0"/>
+          <a:ext cx="0" cy="0"/>
+          <a:chOff x="0" y="0"/>
+          <a:chExt cx="0" cy="0"/>
+        </a:xfrm>
+      </p:grpSpPr>
+      <p:sp>
+        <p:nvSpPr>
+          <p:cNvPr id="2" name="כותרת 1">
+            <a:extLst>
+              <a:ext uri="{FF2B5EF4-FFF2-40B4-BE49-F238E27FC236}">
+                <a16:creationId xmlns:a16="http://schemas.microsoft.com/office/drawing/2014/main" id="{5E071A4F-2BEE-90BB-AC2D-0D16E0692A13}"/>
+              </a:ext>
+            </a:extLst>
+          </p:cNvPr>
+          <p:cNvSpPr>
+            <a:spLocks noGrp="1"/>
+          </p:cNvSpPr>
+          <p:nvPr>
+            <p:ph type="title"/>
+          </p:nvPr>
+        </p:nvSpPr>
+        <p:spPr/>
+        <p:txBody>
+          <a:bodyPr/>
+          <a:lstStyle/>
+          <a:p>
+            <a:r>
+              <a:rPr lang="en-US" dirty="0"/>
+              <a:t>ADVANGES</a:t>
+            </a:r>
+            <a:endParaRPr lang="he-IL" dirty="0"/>
+          </a:p>
+        </p:txBody>
+      </p:sp>
+      <p:sp>
+        <p:nvSpPr>
+          <p:cNvPr id="3" name="מציין מיקום תוכן 2">
+            <a:extLst>
+              <a:ext uri="{FF2B5EF4-FFF2-40B4-BE49-F238E27FC236}">
+                <a16:creationId xmlns:a16="http://schemas.microsoft.com/office/drawing/2014/main" id="{0FDB27D4-C5D3-E0E8-53CD-9EE1A2DE842E}"/>
+              </a:ext>
+            </a:extLst>
+          </p:cNvPr>
+          <p:cNvSpPr>
+            <a:spLocks noGrp="1"/>
+          </p:cNvSpPr>
+          <p:nvPr>
+            <p:ph idx="1"/>
+          </p:nvPr>
+        </p:nvSpPr>
+        <p:spPr/>
+        <p:txBody>
+          <a:bodyPr/>
+          <a:lstStyle/>
+          <a:p>
+            <a:pPr algn="l" rtl="0"/>
+            <a:r>
+              <a:rPr lang="en-US" dirty="0" err="1"/>
+              <a:t>aaa</a:t>
+            </a:r>
+            <a:endParaRPr lang="he-IL" dirty="0"/>
+          </a:p>
+        </p:txBody>
+      </p:sp>
+    </p:spTree>
+    <p:extLst>
+      <p:ext uri="{BB962C8B-B14F-4D97-AF65-F5344CB8AC3E}">
+        <p14:creationId xmlns:p14="http://schemas.microsoft.com/office/powerpoint/2010/main" val="2826640396"/>
+      </p:ext>
+    </p:extLst>
+  </p:cSld>
+  <p:clrMapOvr>
+    <a:masterClrMapping/>
+  </p:clrMapOvr>
+</p:sld>
+</file>
+
+<file path=ppt/slides/slide14.xml><?xml version="1.0" encoding="utf-8"?>
+<p:sld xmlns:a="http://schemas.openxmlformats.org/drawingml/2006/main" xmlns:r="http://schemas.openxmlformats.org/officeDocument/2006/relationships" xmlns:p="http://schemas.openxmlformats.org/presentationml/2006/main">
+  <p:cSld>
+    <p:spTree>
+      <p:nvGrpSpPr>
+        <p:cNvPr id="1" name=""/>
+        <p:cNvGrpSpPr/>
+        <p:nvPr/>
+      </p:nvGrpSpPr>
+      <p:grpSpPr>
+        <a:xfrm>
+          <a:off x="0" y="0"/>
+          <a:ext cx="0" cy="0"/>
+          <a:chOff x="0" y="0"/>
+          <a:chExt cx="0" cy="0"/>
+        </a:xfrm>
+      </p:grpSpPr>
+      <p:sp>
+        <p:nvSpPr>
+          <p:cNvPr id="2" name="כותרת 1">
+            <a:extLst>
+              <a:ext uri="{FF2B5EF4-FFF2-40B4-BE49-F238E27FC236}">
+                <a16:creationId xmlns:a16="http://schemas.microsoft.com/office/drawing/2014/main" id="{5E071A4F-2BEE-90BB-AC2D-0D16E0692A13}"/>
+              </a:ext>
+            </a:extLst>
+          </p:cNvPr>
+          <p:cNvSpPr>
+            <a:spLocks noGrp="1"/>
+          </p:cNvSpPr>
+          <p:nvPr>
+            <p:ph type="title"/>
+          </p:nvPr>
+        </p:nvSpPr>
+        <p:spPr/>
+        <p:txBody>
+          <a:bodyPr/>
+          <a:lstStyle/>
+          <a:p>
+            <a:r>
+              <a:rPr lang="en-US" dirty="0"/>
               <a:t>ARCHITHCHER </a:t>
             </a:r>
             <a:endParaRPr lang="he-IL" dirty="0"/>
@@ -5797,7 +6157,7 @@
 </p:sld>
 </file>
 
-<file path=ppt/slides/slide11.xml><?xml version="1.0" encoding="utf-8"?>
+<file path=ppt/slides/slide15.xml><?xml version="1.0" encoding="utf-8"?>
 <p:sld xmlns:a="http://schemas.openxmlformats.org/drawingml/2006/main" xmlns:r="http://schemas.openxmlformats.org/officeDocument/2006/relationships" xmlns:p="http://schemas.openxmlformats.org/presentationml/2006/main">
   <p:cSld>
     <p:spTree>
@@ -6044,13 +6404,99 @@
           <a:p>
             <a:pPr algn="l" rtl="0"/>
             <a:r>
-              <a:rPr lang="en-US" dirty="0" err="1"/>
-              <a:t>aaa</a:t>
+              <a:rPr lang="en-US" dirty="0"/>
+              <a:t>What is points cloud is ?</a:t>
+            </a:r>
+          </a:p>
+          <a:p>
+            <a:pPr algn="l" rtl="0"/>
+            <a:r>
+              <a:rPr lang="en-US" dirty="0"/>
+              <a:t>How to create point cloud ? </a:t>
+            </a:r>
+          </a:p>
+          <a:p>
+            <a:pPr algn="l" rtl="0"/>
+            <a:r>
+              <a:rPr lang="en-US" dirty="0"/>
+              <a:t>How are they using in different applications ? </a:t>
             </a:r>
             <a:endParaRPr lang="he-IL" dirty="0"/>
           </a:p>
         </p:txBody>
       </p:sp>
+      <p:pic>
+        <p:nvPicPr>
+          <p:cNvPr id="6" name="תמונה 5" descr="תמונה שמכילה טקסט, מקורה, מיכל, משחק&#10;&#10;התיאור נוצר באופן אוטומטי">
+            <a:extLst>
+              <a:ext uri="{FF2B5EF4-FFF2-40B4-BE49-F238E27FC236}">
+                <a16:creationId xmlns:a16="http://schemas.microsoft.com/office/drawing/2014/main" id="{1814BCDB-994A-EE26-3AC9-F01F6C06EACE}"/>
+              </a:ext>
+            </a:extLst>
+          </p:cNvPr>
+          <p:cNvPicPr>
+            <a:picLocks noChangeAspect="1"/>
+          </p:cNvPicPr>
+          <p:nvPr/>
+        </p:nvPicPr>
+        <p:blipFill>
+          <a:blip r:embed="rId2">
+            <a:extLst>
+              <a:ext uri="{28A0092B-C50C-407E-A947-70E740481C1C}">
+                <a14:useLocalDpi xmlns:a14="http://schemas.microsoft.com/office/drawing/2010/main" val="0"/>
+              </a:ext>
+            </a:extLst>
+          </a:blip>
+          <a:stretch>
+            <a:fillRect/>
+          </a:stretch>
+        </p:blipFill>
+        <p:spPr>
+          <a:xfrm>
+            <a:off x="6096000" y="3528161"/>
+            <a:ext cx="4103327" cy="2896466"/>
+          </a:xfrm>
+          <a:prstGeom prst="rect">
+            <a:avLst/>
+          </a:prstGeom>
+        </p:spPr>
+      </p:pic>
+      <p:pic>
+        <p:nvPicPr>
+          <p:cNvPr id="8" name="תמונה 7" descr="תמונה שמכילה אור, כהה&#10;&#10;התיאור נוצר באופן אוטומטי">
+            <a:extLst>
+              <a:ext uri="{FF2B5EF4-FFF2-40B4-BE49-F238E27FC236}">
+                <a16:creationId xmlns:a16="http://schemas.microsoft.com/office/drawing/2014/main" id="{0103535F-724E-B072-7EA9-0469DAB7F208}"/>
+              </a:ext>
+            </a:extLst>
+          </p:cNvPr>
+          <p:cNvPicPr>
+            <a:picLocks noChangeAspect="1"/>
+          </p:cNvPicPr>
+          <p:nvPr/>
+        </p:nvPicPr>
+        <p:blipFill>
+          <a:blip r:embed="rId3">
+            <a:extLst>
+              <a:ext uri="{28A0092B-C50C-407E-A947-70E740481C1C}">
+                <a14:useLocalDpi xmlns:a14="http://schemas.microsoft.com/office/drawing/2010/main" val="0"/>
+              </a:ext>
+            </a:extLst>
+          </a:blip>
+          <a:stretch>
+            <a:fillRect/>
+          </a:stretch>
+        </p:blipFill>
+        <p:spPr>
+          <a:xfrm>
+            <a:off x="1296956" y="3587621"/>
+            <a:ext cx="3962400" cy="2866736"/>
+          </a:xfrm>
+          <a:prstGeom prst="rect">
+            <a:avLst/>
+          </a:prstGeom>
+        </p:spPr>
+      </p:pic>
     </p:spTree>
     <p:extLst>
       <p:ext uri="{BB962C8B-B14F-4D97-AF65-F5344CB8AC3E}">
@@ -6104,7 +6550,7 @@
           <a:p>
             <a:r>
               <a:rPr lang="en-US" dirty="0"/>
-              <a:t>VISUAL point CLOUD EXAMPLE</a:t>
+              <a:t>point CLOUD</a:t>
             </a:r>
             <a:endParaRPr lang="he-IL" dirty="0"/>
           </a:p>
@@ -6133,17 +6579,110 @@
           <a:p>
             <a:pPr algn="l" rtl="0"/>
             <a:r>
-              <a:rPr lang="en-US" dirty="0" err="1"/>
-              <a:t>aaa</a:t>
-            </a:r>
-            <a:endParaRPr lang="he-IL" dirty="0"/>
-          </a:p>
-        </p:txBody>
-      </p:sp>
+              <a:rPr lang="en-US" dirty="0"/>
+              <a:t>What is points cloud is ?</a:t>
+            </a:r>
+          </a:p>
+          <a:p>
+            <a:pPr lvl="1" algn="l" rtl="0"/>
+            <a:r>
+              <a:rPr lang="en-US" dirty="0"/>
+              <a:t>Collection of individual 3D point which can be presented by:</a:t>
+            </a:r>
+          </a:p>
+          <a:p>
+            <a:pPr lvl="2" algn="l" rtl="0"/>
+            <a:r>
+              <a:rPr lang="en-US" dirty="0"/>
+              <a:t>Location: (X, Y, Z)</a:t>
+            </a:r>
+          </a:p>
+          <a:p>
+            <a:pPr marL="1371600" lvl="3" indent="0" algn="l" rtl="0">
+              <a:buNone/>
+            </a:pPr>
+            <a:endParaRPr lang="en-US" dirty="0"/>
+          </a:p>
+          <a:p>
+            <a:pPr marL="1371600" lvl="3" indent="0" algn="l" rtl="0">
+              <a:buNone/>
+            </a:pPr>
+            <a:endParaRPr lang="en-US" dirty="0"/>
+          </a:p>
+          <a:p>
+            <a:pPr marL="1371600" lvl="3" indent="0" algn="l" rtl="0">
+              <a:buNone/>
+            </a:pPr>
+            <a:endParaRPr lang="en-US" dirty="0"/>
+          </a:p>
+          <a:p>
+            <a:pPr marL="1371600" lvl="3" indent="0" algn="l" rtl="0">
+              <a:buNone/>
+            </a:pPr>
+            <a:endParaRPr lang="en-US" dirty="0"/>
+          </a:p>
+          <a:p>
+            <a:pPr marL="1371600" lvl="3" indent="0" algn="l" rtl="0">
+              <a:buNone/>
+            </a:pPr>
+            <a:endParaRPr lang="en-US" dirty="0"/>
+          </a:p>
+          <a:p>
+            <a:pPr lvl="2" algn="l" rtl="0"/>
+            <a:r>
+              <a:rPr lang="en-US" dirty="0"/>
+              <a:t>Additional information (Like color (R,G,B) values)  </a:t>
+            </a:r>
+          </a:p>
+          <a:p>
+            <a:pPr lvl="3" algn="l" rtl="0"/>
+            <a:r>
+              <a:rPr lang="en-US" dirty="0"/>
+              <a:t>https://www.youtube.com/watch?v=IKfbiFQB_0U</a:t>
+            </a:r>
+          </a:p>
+        </p:txBody>
+      </p:sp>
+      <p:pic>
+        <p:nvPicPr>
+          <p:cNvPr id="7" name="תמונה 6">
+            <a:extLst>
+              <a:ext uri="{FF2B5EF4-FFF2-40B4-BE49-F238E27FC236}">
+                <a16:creationId xmlns:a16="http://schemas.microsoft.com/office/drawing/2014/main" id="{FEF53EFF-19FF-41B5-6CF1-0EFB9652C49D}"/>
+              </a:ext>
+            </a:extLst>
+          </p:cNvPr>
+          <p:cNvPicPr>
+            <a:picLocks noChangeAspect="1"/>
+          </p:cNvPicPr>
+          <p:nvPr/>
+        </p:nvPicPr>
+        <p:blipFill>
+          <a:blip r:embed="rId2">
+            <a:extLst>
+              <a:ext uri="{28A0092B-C50C-407E-A947-70E740481C1C}">
+                <a14:useLocalDpi xmlns:a14="http://schemas.microsoft.com/office/drawing/2010/main" val="0"/>
+              </a:ext>
+            </a:extLst>
+          </a:blip>
+          <a:stretch>
+            <a:fillRect/>
+          </a:stretch>
+        </p:blipFill>
+        <p:spPr>
+          <a:xfrm>
+            <a:off x="3848100" y="3068284"/>
+            <a:ext cx="2247900" cy="1685925"/>
+          </a:xfrm>
+          <a:prstGeom prst="rect">
+            <a:avLst/>
+          </a:prstGeom>
+        </p:spPr>
+      </p:pic>
     </p:spTree>
     <p:extLst>
       <p:ext uri="{BB962C8B-B14F-4D97-AF65-F5344CB8AC3E}">
-        <p14:creationId xmlns:p14="http://schemas.microsoft.com/office/powerpoint/2010/main" val="277984093"/>
+        <p14:creationId xmlns:p14="http://schemas.microsoft.com/office/powerpoint/2010/main" val="84585029"/>
       </p:ext>
     </p:extLst>
   </p:cSld>
@@ -6192,8 +6731,8 @@
           <a:lstStyle/>
           <a:p>
             <a:r>
-              <a:rPr lang="en-US" dirty="0"/>
-              <a:t>TIMELINE</a:t>
+              <a:rPr lang="en-US"/>
+              <a:t>point CLOUD</a:t>
             </a:r>
             <a:endParaRPr lang="he-IL" dirty="0"/>
           </a:p>
@@ -6222,17 +6761,74 @@
           <a:p>
             <a:pPr algn="l" rtl="0"/>
             <a:r>
-              <a:rPr lang="en-US" dirty="0" err="1"/>
-              <a:t>aaa</a:t>
-            </a:r>
-            <a:endParaRPr lang="he-IL" dirty="0"/>
-          </a:p>
-        </p:txBody>
-      </p:sp>
+              <a:rPr lang="en-US"/>
+              <a:t>How to create point cloud ? </a:t>
+            </a:r>
+          </a:p>
+          <a:p>
+            <a:pPr lvl="1" algn="l" rtl="0"/>
+            <a:r>
+              <a:rPr lang="en-US"/>
+              <a:t>Scan by using laser scanner</a:t>
+            </a:r>
+          </a:p>
+          <a:p>
+            <a:pPr lvl="2" algn="l" rtl="0"/>
+            <a:r>
+              <a:rPr lang="en-US"/>
+              <a:t>The laser sending a pulse into static object, by measuring the reflect reaction from the object by laser scanner we can represent each point exact location in 3D</a:t>
+            </a:r>
+          </a:p>
+          <a:p>
+            <a:pPr lvl="2" algn="l" rtl="0"/>
+            <a:endParaRPr lang="en-US"/>
+          </a:p>
+          <a:p>
+            <a:pPr lvl="1" algn="l" rtl="0"/>
+            <a:endParaRPr lang="en-US" dirty="0"/>
+          </a:p>
+        </p:txBody>
+      </p:sp>
+      <p:pic>
+        <p:nvPicPr>
+          <p:cNvPr id="5" name="תמונה 4">
+            <a:extLst>
+              <a:ext uri="{FF2B5EF4-FFF2-40B4-BE49-F238E27FC236}">
+                <a16:creationId xmlns:a16="http://schemas.microsoft.com/office/drawing/2014/main" id="{29257306-B861-79C4-03F4-2315FA7D591E}"/>
+              </a:ext>
+            </a:extLst>
+          </p:cNvPr>
+          <p:cNvPicPr>
+            <a:picLocks noChangeAspect="1"/>
+          </p:cNvPicPr>
+          <p:nvPr/>
+        </p:nvPicPr>
+        <p:blipFill>
+          <a:blip r:embed="rId2">
+            <a:extLst>
+              <a:ext uri="{28A0092B-C50C-407E-A947-70E740481C1C}">
+                <a14:useLocalDpi xmlns:a14="http://schemas.microsoft.com/office/drawing/2010/main" val="0"/>
+              </a:ext>
+            </a:extLst>
+          </a:blip>
+          <a:stretch>
+            <a:fillRect/>
+          </a:stretch>
+        </p:blipFill>
+        <p:spPr>
+          <a:xfrm>
+            <a:off x="2870200" y="3775075"/>
+            <a:ext cx="6223000" cy="2778125"/>
+          </a:xfrm>
+          <a:prstGeom prst="rect">
+            <a:avLst/>
+          </a:prstGeom>
+        </p:spPr>
+      </p:pic>
     </p:spTree>
     <p:extLst>
       <p:ext uri="{BB962C8B-B14F-4D97-AF65-F5344CB8AC3E}">
-        <p14:creationId xmlns:p14="http://schemas.microsoft.com/office/powerpoint/2010/main" val="3879395397"/>
+        <p14:creationId xmlns:p14="http://schemas.microsoft.com/office/powerpoint/2010/main" val="2243212260"/>
       </p:ext>
     </p:extLst>
   </p:cSld>
@@ -6281,8 +6877,8 @@
           <a:lstStyle/>
           <a:p>
             <a:r>
-              <a:rPr lang="en-US" dirty="0"/>
-              <a:t>transformers</a:t>
+              <a:rPr lang="en-US"/>
+              <a:t>point CLOUD</a:t>
             </a:r>
             <a:endParaRPr lang="he-IL" dirty="0"/>
           </a:p>
@@ -6311,17 +6907,70 @@
           <a:p>
             <a:pPr algn="l" rtl="0"/>
             <a:r>
-              <a:rPr lang="en-US" dirty="0" err="1"/>
-              <a:t>aaa</a:t>
-            </a:r>
-            <a:endParaRPr lang="he-IL" dirty="0"/>
-          </a:p>
-        </p:txBody>
-      </p:sp>
+              <a:rPr lang="en-US" dirty="0"/>
+              <a:t>How to create point cloud ? </a:t>
+            </a:r>
+          </a:p>
+          <a:p>
+            <a:pPr lvl="1" algn="l" rtl="0"/>
+            <a:r>
+              <a:rPr lang="en-US" dirty="0"/>
+              <a:t>Process name Photogrammetry </a:t>
+            </a:r>
+          </a:p>
+          <a:p>
+            <a:pPr lvl="2" algn="l" rtl="0"/>
+            <a:r>
+              <a:rPr lang="en-US" dirty="0"/>
+              <a:t>Creating point cloud by using multiple image of the same object, by triangulate process, the algorithm knows to generate the point cloud</a:t>
+            </a:r>
+          </a:p>
+          <a:p>
+            <a:pPr lvl="1" algn="l" rtl="0"/>
+            <a:endParaRPr lang="en-US" dirty="0"/>
+          </a:p>
+        </p:txBody>
+      </p:sp>
+      <p:pic>
+        <p:nvPicPr>
+          <p:cNvPr id="7" name="תמונה 6">
+            <a:extLst>
+              <a:ext uri="{FF2B5EF4-FFF2-40B4-BE49-F238E27FC236}">
+                <a16:creationId xmlns:a16="http://schemas.microsoft.com/office/drawing/2014/main" id="{034BB454-5A5E-C3F2-20B7-88F8633A4144}"/>
+              </a:ext>
+            </a:extLst>
+          </p:cNvPr>
+          <p:cNvPicPr>
+            <a:picLocks noChangeAspect="1"/>
+          </p:cNvPicPr>
+          <p:nvPr/>
+        </p:nvPicPr>
+        <p:blipFill>
+          <a:blip r:embed="rId2">
+            <a:extLst>
+              <a:ext uri="{28A0092B-C50C-407E-A947-70E740481C1C}">
+                <a14:useLocalDpi xmlns:a14="http://schemas.microsoft.com/office/drawing/2010/main" val="0"/>
+              </a:ext>
+            </a:extLst>
+          </a:blip>
+          <a:stretch>
+            <a:fillRect/>
+          </a:stretch>
+        </p:blipFill>
+        <p:spPr>
+          <a:xfrm>
+            <a:off x="3911600" y="3568699"/>
+            <a:ext cx="3403601" cy="3155270"/>
+          </a:xfrm>
+          <a:prstGeom prst="rect">
+            <a:avLst/>
+          </a:prstGeom>
+        </p:spPr>
+      </p:pic>
     </p:spTree>
     <p:extLst>
       <p:ext uri="{BB962C8B-B14F-4D97-AF65-F5344CB8AC3E}">
-        <p14:creationId xmlns:p14="http://schemas.microsoft.com/office/powerpoint/2010/main" val="1229079525"/>
+        <p14:creationId xmlns:p14="http://schemas.microsoft.com/office/powerpoint/2010/main" val="2544865005"/>
       </p:ext>
     </p:extLst>
   </p:cSld>
@@ -6371,7 +7020,7 @@
           <a:p>
             <a:r>
               <a:rPr lang="en-US" dirty="0"/>
-              <a:t>VISUAL transformers</a:t>
+              <a:t>Photogrammetry vs. laser scanner</a:t>
             </a:r>
             <a:endParaRPr lang="he-IL" dirty="0"/>
           </a:p>
@@ -6393,24 +7042,145 @@
             <p:ph idx="1"/>
           </p:nvPr>
         </p:nvSpPr>
-        <p:spPr/>
-        <p:txBody>
-          <a:bodyPr/>
-          <a:lstStyle/>
+        <p:spPr>
+          <a:xfrm>
+            <a:off x="842919" y="1654104"/>
+            <a:ext cx="10353762" cy="3695136"/>
+          </a:xfrm>
+        </p:spPr>
+        <p:txBody>
+          <a:bodyPr>
+            <a:normAutofit/>
+          </a:bodyPr>
+          <a:lstStyle/>
+          <a:p>
+            <a:pPr marL="0" indent="0" algn="l" rtl="0" fontAlgn="base">
+              <a:buNone/>
+            </a:pPr>
+            <a:r>
+              <a:rPr lang="en-US" sz="1800" b="1" i="0" dirty="0">
+                <a:effectLst/>
+                <a:latin typeface="Rubik"/>
+              </a:rPr>
+              <a:t>photogrammetry  advantages:</a:t>
+            </a:r>
+          </a:p>
+          <a:p>
+            <a:pPr algn="l" rtl="0" fontAlgn="base"/>
+            <a:r>
+              <a:rPr lang="en-US" sz="1800" b="0" i="0" dirty="0">
+                <a:effectLst/>
+                <a:latin typeface="Rubik"/>
+              </a:rPr>
+              <a:t>High ability to reproduce an object in full color and texture, While not any 3D scanners can do this</a:t>
+            </a:r>
+          </a:p>
+          <a:p>
+            <a:pPr algn="l" rtl="0" fontAlgn="base"/>
+            <a:r>
+              <a:rPr lang="en-US" sz="1800" b="0" i="0" dirty="0">
+                <a:effectLst/>
+                <a:latin typeface="Rubik"/>
+              </a:rPr>
+              <a:t>easily accessible to most people because the equipment and software is nowhere near as expensive as 3D scanning. </a:t>
+            </a:r>
+          </a:p>
+          <a:p>
+            <a:pPr marL="0" indent="0" algn="l" rtl="0" fontAlgn="base">
+              <a:buNone/>
+            </a:pPr>
+            <a:r>
+              <a:rPr lang="en-US" sz="1800" b="1" i="0" dirty="0">
+                <a:effectLst/>
+                <a:latin typeface="Rubik"/>
+              </a:rPr>
+              <a:t>photogrammetry  disadvantages:</a:t>
+            </a:r>
+          </a:p>
+          <a:p>
+            <a:pPr algn="l" rtl="0" fontAlgn="base"/>
+            <a:r>
+              <a:rPr lang="en-US" sz="1800" b="0" i="0" dirty="0">
+                <a:effectLst/>
+                <a:latin typeface="Rubik"/>
+              </a:rPr>
+              <a:t>challenging to work with parts that have a smooth, flat …</a:t>
+            </a:r>
+          </a:p>
+          <a:p>
+            <a:pPr algn="l" rtl="0" fontAlgn="base"/>
+            <a:r>
+              <a:rPr lang="en-US" sz="1800" b="0" i="0" dirty="0">
+                <a:effectLst/>
+                <a:latin typeface="Rubik"/>
+              </a:rPr>
+              <a:t>real time as 3D scanning</a:t>
+            </a:r>
+          </a:p>
+          <a:p>
+            <a:pPr algn="l" rtl="0" fontAlgn="base"/>
+            <a:r>
+              <a:rPr lang="en-US" sz="1800" b="0" i="0" dirty="0">
+                <a:effectLst/>
+                <a:latin typeface="Rubik"/>
+              </a:rPr>
+              <a:t>lower accuracy than 3D scanners. </a:t>
+            </a:r>
+          </a:p>
           <a:p>
             <a:pPr algn="l" rtl="0"/>
-            <a:r>
-              <a:rPr lang="en-US" dirty="0" err="1"/>
-              <a:t>aaa</a:t>
-            </a:r>
-            <a:endParaRPr lang="he-IL" dirty="0"/>
-          </a:p>
-        </p:txBody>
-      </p:sp>
+            <a:endParaRPr lang="en-US" dirty="0"/>
+          </a:p>
+          <a:p>
+            <a:pPr algn="l" rtl="0"/>
+            <a:endParaRPr lang="en-US" dirty="0"/>
+          </a:p>
+          <a:p>
+            <a:pPr lvl="1" algn="l" rtl="0"/>
+            <a:endParaRPr lang="en-US" dirty="0"/>
+          </a:p>
+        </p:txBody>
+      </p:sp>
+      <p:pic>
+        <p:nvPicPr>
+          <p:cNvPr id="5" name="תמונה 4">
+            <a:extLst>
+              <a:ext uri="{FF2B5EF4-FFF2-40B4-BE49-F238E27FC236}">
+                <a16:creationId xmlns:a16="http://schemas.microsoft.com/office/drawing/2014/main" id="{7A455585-43FF-E5F2-EFDB-16A2E153D24B}"/>
+              </a:ext>
+            </a:extLst>
+          </p:cNvPr>
+          <p:cNvPicPr>
+            <a:picLocks noChangeAspect="1"/>
+          </p:cNvPicPr>
+          <p:nvPr/>
+        </p:nvPicPr>
+        <p:blipFill>
+          <a:blip r:embed="rId2">
+            <a:extLst>
+              <a:ext uri="{28A0092B-C50C-407E-A947-70E740481C1C}">
+                <a14:useLocalDpi xmlns:a14="http://schemas.microsoft.com/office/drawing/2010/main" val="0"/>
+              </a:ext>
+            </a:extLst>
+          </a:blip>
+          <a:stretch>
+            <a:fillRect/>
+          </a:stretch>
+        </p:blipFill>
+        <p:spPr>
+          <a:xfrm rot="10800000" flipV="1">
+            <a:off x="6095999" y="4181191"/>
+            <a:ext cx="5253080" cy="2626540"/>
+          </a:xfrm>
+          <a:prstGeom prst="rect">
+            <a:avLst/>
+          </a:prstGeom>
+        </p:spPr>
+      </p:pic>
     </p:spTree>
     <p:extLst>
       <p:ext uri="{BB962C8B-B14F-4D97-AF65-F5344CB8AC3E}">
-        <p14:creationId xmlns:p14="http://schemas.microsoft.com/office/powerpoint/2010/main" val="3706764194"/>
+        <p14:creationId xmlns:p14="http://schemas.microsoft.com/office/powerpoint/2010/main" val="3501181250"/>
       </p:ext>
     </p:extLst>
   </p:cSld>
@@ -6453,14 +7223,19 @@
             <p:ph type="title"/>
           </p:nvPr>
         </p:nvSpPr>
-        <p:spPr/>
+        <p:spPr>
+          <a:xfrm>
+            <a:off x="924445" y="255110"/>
+            <a:ext cx="10353761" cy="1326321"/>
+          </a:xfrm>
+        </p:spPr>
         <p:txBody>
           <a:bodyPr/>
           <a:lstStyle/>
           <a:p>
             <a:r>
               <a:rPr lang="en-US" dirty="0"/>
-              <a:t>DISADVANGES</a:t>
+              <a:t>point CLOUD</a:t>
             </a:r>
             <a:endParaRPr lang="he-IL" dirty="0"/>
           </a:p>
@@ -6482,24 +7257,152 @@
             <p:ph idx="1"/>
           </p:nvPr>
         </p:nvSpPr>
-        <p:spPr/>
+        <p:spPr>
+          <a:xfrm>
+            <a:off x="924445" y="1119653"/>
+            <a:ext cx="10353762" cy="3695136"/>
+          </a:xfrm>
+        </p:spPr>
         <p:txBody>
           <a:bodyPr/>
           <a:lstStyle/>
           <a:p>
             <a:pPr algn="l" rtl="0"/>
             <a:r>
-              <a:rPr lang="en-US" dirty="0" err="1"/>
-              <a:t>aaa</a:t>
-            </a:r>
+              <a:rPr lang="en-US" dirty="0"/>
+              <a:t>How are they using in different applications ? </a:t>
+            </a:r>
+          </a:p>
+          <a:p>
+            <a:pPr lvl="1" algn="l" rtl="0"/>
+            <a:r>
+              <a:rPr lang="en-US" dirty="0"/>
+              <a:t>Create a 3D model  - point cloud converted into meshes</a:t>
+            </a:r>
+          </a:p>
+          <a:p>
+            <a:pPr lvl="2" algn="l" rtl="0"/>
+            <a:r>
+              <a:rPr lang="en-US" dirty="0"/>
+              <a:t>Understanding environment – building, automotive</a:t>
+            </a:r>
+          </a:p>
+          <a:p>
+            <a:pPr marL="914400" lvl="2" indent="0" algn="l" rtl="0">
+              <a:buNone/>
+            </a:pPr>
+            <a:r>
+              <a:rPr lang="en-US" dirty="0"/>
+              <a:t> </a:t>
+            </a:r>
+          </a:p>
+          <a:p>
+            <a:pPr marL="914400" lvl="2" indent="0" algn="l" rtl="0">
+              <a:buNone/>
+            </a:pPr>
+            <a:endParaRPr lang="en-US" dirty="0"/>
+          </a:p>
+          <a:p>
+            <a:pPr lvl="2" algn="l" rtl="0"/>
+            <a:endParaRPr lang="en-US" dirty="0"/>
+          </a:p>
+          <a:p>
+            <a:pPr lvl="2" algn="l" rtl="0"/>
+            <a:endParaRPr lang="en-US" dirty="0"/>
+          </a:p>
+          <a:p>
+            <a:pPr lvl="2" algn="l" rtl="0"/>
+            <a:endParaRPr lang="en-US" dirty="0"/>
+          </a:p>
+          <a:p>
+            <a:pPr lvl="2" algn="l" rtl="0"/>
+            <a:r>
+              <a:rPr lang="en-US" dirty="0"/>
+              <a:t>Manufacturing – design product  </a:t>
+            </a:r>
+          </a:p>
+          <a:p>
+            <a:pPr lvl="2" algn="l" rtl="0"/>
             <a:endParaRPr lang="he-IL" dirty="0"/>
           </a:p>
         </p:txBody>
       </p:sp>
+      <p:pic>
+        <p:nvPicPr>
+          <p:cNvPr id="5" name="תמונה 4" descr="תמונה שמכילה טקסט&#10;&#10;התיאור נוצר באופן אוטומטי">
+            <a:extLst>
+              <a:ext uri="{FF2B5EF4-FFF2-40B4-BE49-F238E27FC236}">
+                <a16:creationId xmlns:a16="http://schemas.microsoft.com/office/drawing/2014/main" id="{1AB35820-EB6D-6225-6B8C-BABEBCC1113C}"/>
+              </a:ext>
+            </a:extLst>
+          </p:cNvPr>
+          <p:cNvPicPr>
+            <a:picLocks noChangeAspect="1"/>
+          </p:cNvPicPr>
+          <p:nvPr/>
+        </p:nvPicPr>
+        <p:blipFill>
+          <a:blip r:embed="rId2">
+            <a:extLst>
+              <a:ext uri="{28A0092B-C50C-407E-A947-70E740481C1C}">
+                <a14:useLocalDpi xmlns:a14="http://schemas.microsoft.com/office/drawing/2010/main" val="0"/>
+              </a:ext>
+            </a:extLst>
+          </a:blip>
+          <a:stretch>
+            <a:fillRect/>
+          </a:stretch>
+        </p:blipFill>
+        <p:spPr>
+          <a:xfrm>
+            <a:off x="4198619" y="4794181"/>
+            <a:ext cx="3357035" cy="1888332"/>
+          </a:xfrm>
+          <a:prstGeom prst="rect">
+            <a:avLst/>
+          </a:prstGeom>
+        </p:spPr>
+      </p:pic>
+      <p:pic>
+        <p:nvPicPr>
+          <p:cNvPr id="7" name="תמונה 6">
+            <a:extLst>
+              <a:ext uri="{FF2B5EF4-FFF2-40B4-BE49-F238E27FC236}">
+                <a16:creationId xmlns:a16="http://schemas.microsoft.com/office/drawing/2014/main" id="{3A41E25C-5879-AC73-5652-24B97309BA56}"/>
+              </a:ext>
+            </a:extLst>
+          </p:cNvPr>
+          <p:cNvPicPr>
+            <a:picLocks noChangeAspect="1"/>
+          </p:cNvPicPr>
+          <p:nvPr/>
+        </p:nvPicPr>
+        <p:blipFill>
+          <a:blip r:embed="rId3">
+            <a:extLst>
+              <a:ext uri="{28A0092B-C50C-407E-A947-70E740481C1C}">
+                <a14:useLocalDpi xmlns:a14="http://schemas.microsoft.com/office/drawing/2010/main" val="0"/>
+              </a:ext>
+            </a:extLst>
+          </a:blip>
+          <a:stretch>
+            <a:fillRect/>
+          </a:stretch>
+        </p:blipFill>
+        <p:spPr>
+          <a:xfrm>
+            <a:off x="3421857" y="2318115"/>
+            <a:ext cx="4444417" cy="1759989"/>
+          </a:xfrm>
+          <a:prstGeom prst="rect">
+            <a:avLst/>
+          </a:prstGeom>
+        </p:spPr>
+      </p:pic>
     </p:spTree>
     <p:extLst>
       <p:ext uri="{BB962C8B-B14F-4D97-AF65-F5344CB8AC3E}">
-        <p14:creationId xmlns:p14="http://schemas.microsoft.com/office/powerpoint/2010/main" val="3350424208"/>
+        <p14:creationId xmlns:p14="http://schemas.microsoft.com/office/powerpoint/2010/main" val="451505132"/>
       </p:ext>
     </p:extLst>
   </p:cSld>
@@ -6549,7 +7452,7 @@
           <a:p>
             <a:r>
               <a:rPr lang="en-US" dirty="0"/>
-              <a:t>ADVANGES</a:t>
+              <a:t>TIMELINE</a:t>
             </a:r>
             <a:endParaRPr lang="he-IL" dirty="0"/>
           </a:p>
@@ -6588,7 +7491,7 @@
     </p:spTree>
     <p:extLst>
       <p:ext uri="{BB962C8B-B14F-4D97-AF65-F5344CB8AC3E}">
-        <p14:creationId xmlns:p14="http://schemas.microsoft.com/office/powerpoint/2010/main" val="2826640396"/>
+        <p14:creationId xmlns:p14="http://schemas.microsoft.com/office/powerpoint/2010/main" val="3879395397"/>
       </p:ext>
     </p:extLst>
   </p:cSld>

--- a/HW3/HC.pptx
+++ b/HW3/HC.pptx
@@ -12,14 +12,15 @@
     <p:sldId id="270" r:id="rId6"/>
     <p:sldId id="267" r:id="rId7"/>
     <p:sldId id="271" r:id="rId8"/>
-    <p:sldId id="268" r:id="rId9"/>
-    <p:sldId id="258" r:id="rId10"/>
-    <p:sldId id="262" r:id="rId11"/>
-    <p:sldId id="263" r:id="rId12"/>
-    <p:sldId id="264" r:id="rId13"/>
-    <p:sldId id="265" r:id="rId14"/>
-    <p:sldId id="266" r:id="rId15"/>
-    <p:sldId id="260" r:id="rId16"/>
+    <p:sldId id="272" r:id="rId9"/>
+    <p:sldId id="268" r:id="rId10"/>
+    <p:sldId id="258" r:id="rId11"/>
+    <p:sldId id="262" r:id="rId12"/>
+    <p:sldId id="263" r:id="rId13"/>
+    <p:sldId id="264" r:id="rId14"/>
+    <p:sldId id="265" r:id="rId15"/>
+    <p:sldId id="266" r:id="rId16"/>
+    <p:sldId id="260" r:id="rId17"/>
   </p:sldIdLst>
   <p:sldSz cx="12192000" cy="6858000"/>
   <p:notesSz cx="6858000" cy="9144000"/>
@@ -5752,7 +5753,7 @@
           <a:p>
             <a:r>
               <a:rPr lang="en-US" dirty="0"/>
-              <a:t>transformers</a:t>
+              <a:t>TIMELINE</a:t>
             </a:r>
             <a:endParaRPr lang="he-IL" dirty="0"/>
           </a:p>
@@ -5791,7 +5792,7 @@
     </p:spTree>
     <p:extLst>
       <p:ext uri="{BB962C8B-B14F-4D97-AF65-F5344CB8AC3E}">
-        <p14:creationId xmlns:p14="http://schemas.microsoft.com/office/powerpoint/2010/main" val="1229079525"/>
+        <p14:creationId xmlns:p14="http://schemas.microsoft.com/office/powerpoint/2010/main" val="3879395397"/>
       </p:ext>
     </p:extLst>
   </p:cSld>
@@ -5841,7 +5842,7 @@
           <a:p>
             <a:r>
               <a:rPr lang="en-US" dirty="0"/>
-              <a:t>VISUAL transformers</a:t>
+              <a:t>transformers</a:t>
             </a:r>
             <a:endParaRPr lang="he-IL" dirty="0"/>
           </a:p>
@@ -5880,7 +5881,7 @@
     </p:spTree>
     <p:extLst>
       <p:ext uri="{BB962C8B-B14F-4D97-AF65-F5344CB8AC3E}">
-        <p14:creationId xmlns:p14="http://schemas.microsoft.com/office/powerpoint/2010/main" val="3706764194"/>
+        <p14:creationId xmlns:p14="http://schemas.microsoft.com/office/powerpoint/2010/main" val="1229079525"/>
       </p:ext>
     </p:extLst>
   </p:cSld>
@@ -5930,7 +5931,7 @@
           <a:p>
             <a:r>
               <a:rPr lang="en-US" dirty="0"/>
-              <a:t>DISADVANGES</a:t>
+              <a:t>VISUAL transformers</a:t>
             </a:r>
             <a:endParaRPr lang="he-IL" dirty="0"/>
           </a:p>
@@ -5969,7 +5970,7 @@
     </p:spTree>
     <p:extLst>
       <p:ext uri="{BB962C8B-B14F-4D97-AF65-F5344CB8AC3E}">
-        <p14:creationId xmlns:p14="http://schemas.microsoft.com/office/powerpoint/2010/main" val="3350424208"/>
+        <p14:creationId xmlns:p14="http://schemas.microsoft.com/office/powerpoint/2010/main" val="3706764194"/>
       </p:ext>
     </p:extLst>
   </p:cSld>
@@ -6019,7 +6020,7 @@
           <a:p>
             <a:r>
               <a:rPr lang="en-US" dirty="0"/>
-              <a:t>ADVANGES</a:t>
+              <a:t>DISADVANGES</a:t>
             </a:r>
             <a:endParaRPr lang="he-IL" dirty="0"/>
           </a:p>
@@ -6058,7 +6059,7 @@
     </p:spTree>
     <p:extLst>
       <p:ext uri="{BB962C8B-B14F-4D97-AF65-F5344CB8AC3E}">
-        <p14:creationId xmlns:p14="http://schemas.microsoft.com/office/powerpoint/2010/main" val="2826640396"/>
+        <p14:creationId xmlns:p14="http://schemas.microsoft.com/office/powerpoint/2010/main" val="3350424208"/>
       </p:ext>
     </p:extLst>
   </p:cSld>
@@ -6108,6 +6109,95 @@
           <a:p>
             <a:r>
               <a:rPr lang="en-US" dirty="0"/>
+              <a:t>ADVANGES</a:t>
+            </a:r>
+            <a:endParaRPr lang="he-IL" dirty="0"/>
+          </a:p>
+        </p:txBody>
+      </p:sp>
+      <p:sp>
+        <p:nvSpPr>
+          <p:cNvPr id="3" name="מציין מיקום תוכן 2">
+            <a:extLst>
+              <a:ext uri="{FF2B5EF4-FFF2-40B4-BE49-F238E27FC236}">
+                <a16:creationId xmlns:a16="http://schemas.microsoft.com/office/drawing/2014/main" id="{0FDB27D4-C5D3-E0E8-53CD-9EE1A2DE842E}"/>
+              </a:ext>
+            </a:extLst>
+          </p:cNvPr>
+          <p:cNvSpPr>
+            <a:spLocks noGrp="1"/>
+          </p:cNvSpPr>
+          <p:nvPr>
+            <p:ph idx="1"/>
+          </p:nvPr>
+        </p:nvSpPr>
+        <p:spPr/>
+        <p:txBody>
+          <a:bodyPr/>
+          <a:lstStyle/>
+          <a:p>
+            <a:pPr algn="l" rtl="0"/>
+            <a:r>
+              <a:rPr lang="en-US" dirty="0" err="1"/>
+              <a:t>aaa</a:t>
+            </a:r>
+            <a:endParaRPr lang="he-IL" dirty="0"/>
+          </a:p>
+        </p:txBody>
+      </p:sp>
+    </p:spTree>
+    <p:extLst>
+      <p:ext uri="{BB962C8B-B14F-4D97-AF65-F5344CB8AC3E}">
+        <p14:creationId xmlns:p14="http://schemas.microsoft.com/office/powerpoint/2010/main" val="2826640396"/>
+      </p:ext>
+    </p:extLst>
+  </p:cSld>
+  <p:clrMapOvr>
+    <a:masterClrMapping/>
+  </p:clrMapOvr>
+</p:sld>
+</file>
+
+<file path=ppt/slides/slide15.xml><?xml version="1.0" encoding="utf-8"?>
+<p:sld xmlns:a="http://schemas.openxmlformats.org/drawingml/2006/main" xmlns:r="http://schemas.openxmlformats.org/officeDocument/2006/relationships" xmlns:p="http://schemas.openxmlformats.org/presentationml/2006/main">
+  <p:cSld>
+    <p:spTree>
+      <p:nvGrpSpPr>
+        <p:cNvPr id="1" name=""/>
+        <p:cNvGrpSpPr/>
+        <p:nvPr/>
+      </p:nvGrpSpPr>
+      <p:grpSpPr>
+        <a:xfrm>
+          <a:off x="0" y="0"/>
+          <a:ext cx="0" cy="0"/>
+          <a:chOff x="0" y="0"/>
+          <a:chExt cx="0" cy="0"/>
+        </a:xfrm>
+      </p:grpSpPr>
+      <p:sp>
+        <p:nvSpPr>
+          <p:cNvPr id="2" name="כותרת 1">
+            <a:extLst>
+              <a:ext uri="{FF2B5EF4-FFF2-40B4-BE49-F238E27FC236}">
+                <a16:creationId xmlns:a16="http://schemas.microsoft.com/office/drawing/2014/main" id="{5E071A4F-2BEE-90BB-AC2D-0D16E0692A13}"/>
+              </a:ext>
+            </a:extLst>
+          </p:cNvPr>
+          <p:cNvSpPr>
+            <a:spLocks noGrp="1"/>
+          </p:cNvSpPr>
+          <p:nvPr>
+            <p:ph type="title"/>
+          </p:nvPr>
+        </p:nvSpPr>
+        <p:spPr/>
+        <p:txBody>
+          <a:bodyPr/>
+          <a:lstStyle/>
+          <a:p>
+            <a:r>
+              <a:rPr lang="en-US" dirty="0"/>
               <a:t>ARCHITHCHER </a:t>
             </a:r>
             <a:endParaRPr lang="he-IL" dirty="0"/>
@@ -6157,7 +6247,7 @@
 </p:sld>
 </file>
 
-<file path=ppt/slides/slide15.xml><?xml version="1.0" encoding="utf-8"?>
+<file path=ppt/slides/slide16.xml><?xml version="1.0" encoding="utf-8"?>
 <p:sld xmlns:a="http://schemas.openxmlformats.org/drawingml/2006/main" xmlns:r="http://schemas.openxmlformats.org/officeDocument/2006/relationships" xmlns:p="http://schemas.openxmlformats.org/presentationml/2006/main">
   <p:cSld>
     <p:spTree>
@@ -6877,7 +6967,7 @@
           <a:lstStyle/>
           <a:p>
             <a:r>
-              <a:rPr lang="en-US"/>
+              <a:rPr lang="en-US" dirty="0"/>
               <a:t>point CLOUD</a:t>
             </a:r>
             <a:endParaRPr lang="he-IL" dirty="0"/>
@@ -7013,6 +7103,156 @@
             <p:ph type="title"/>
           </p:nvPr>
         </p:nvSpPr>
+        <p:spPr>
+          <a:xfrm>
+            <a:off x="919119" y="617220"/>
+            <a:ext cx="10353761" cy="1326321"/>
+          </a:xfrm>
+        </p:spPr>
+        <p:txBody>
+          <a:bodyPr/>
+          <a:lstStyle/>
+          <a:p>
+            <a:r>
+              <a:rPr lang="en-US" dirty="0"/>
+              <a:t>point CLOUD</a:t>
+            </a:r>
+            <a:endParaRPr lang="he-IL" dirty="0"/>
+          </a:p>
+        </p:txBody>
+      </p:sp>
+      <p:sp>
+        <p:nvSpPr>
+          <p:cNvPr id="3" name="מציין מיקום תוכן 2">
+            <a:extLst>
+              <a:ext uri="{FF2B5EF4-FFF2-40B4-BE49-F238E27FC236}">
+                <a16:creationId xmlns:a16="http://schemas.microsoft.com/office/drawing/2014/main" id="{0FDB27D4-C5D3-E0E8-53CD-9EE1A2DE842E}"/>
+              </a:ext>
+            </a:extLst>
+          </p:cNvPr>
+          <p:cNvSpPr>
+            <a:spLocks noGrp="1"/>
+          </p:cNvSpPr>
+          <p:nvPr>
+            <p:ph idx="1"/>
+          </p:nvPr>
+        </p:nvSpPr>
+        <p:spPr>
+          <a:xfrm>
+            <a:off x="842919" y="1654104"/>
+            <a:ext cx="10353762" cy="3695136"/>
+          </a:xfrm>
+        </p:spPr>
+        <p:txBody>
+          <a:bodyPr>
+            <a:normAutofit/>
+          </a:bodyPr>
+          <a:lstStyle/>
+          <a:p>
+            <a:pPr marL="0" indent="0" algn="l" rtl="0" fontAlgn="base">
+              <a:buNone/>
+            </a:pPr>
+            <a:r>
+              <a:rPr lang="en-US" sz="1800" b="1" i="0" dirty="0">
+                <a:effectLst/>
+                <a:latin typeface="Rubik"/>
+              </a:rPr>
+              <a:t>Mashes:</a:t>
+            </a:r>
+          </a:p>
+          <a:p>
+            <a:pPr algn="l" rtl="0"/>
+            <a:r>
+              <a:rPr lang="en-US" sz="1800" b="1" dirty="0">
+                <a:effectLst/>
+                <a:latin typeface="Rubik"/>
+              </a:rPr>
+              <a:t>Convert point cloud to Mesh is a technique for reconstructing a surface mesh from an input point cloud.</a:t>
+            </a:r>
+          </a:p>
+          <a:p>
+            <a:pPr algn="l" rtl="0" fontAlgn="base"/>
+            <a:r>
+              <a:rPr lang="en-US" sz="1800" b="1" dirty="0">
+                <a:effectLst/>
+                <a:latin typeface="Rubik"/>
+              </a:rPr>
+              <a:t>In order to move from point cloud in 3D, we move to mesh representation:</a:t>
+            </a:r>
+          </a:p>
+          <a:p>
+            <a:pPr lvl="1" algn="l" rtl="0" fontAlgn="base"/>
+            <a:r>
+              <a:rPr lang="en-US" b="1" dirty="0">
+                <a:effectLst/>
+                <a:latin typeface="Rubik"/>
+              </a:rPr>
+              <a:t>https://ranahanocka.github.io/point2mesh/</a:t>
+            </a:r>
+          </a:p>
+          <a:p>
+            <a:pPr algn="l" rtl="0"/>
+            <a:endParaRPr lang="en-US" sz="1800" b="1" dirty="0">
+              <a:effectLst/>
+              <a:latin typeface="Rubik"/>
+            </a:endParaRPr>
+          </a:p>
+          <a:p>
+            <a:pPr algn="l" rtl="0"/>
+            <a:endParaRPr lang="en-US" dirty="0"/>
+          </a:p>
+          <a:p>
+            <a:pPr lvl="1" algn="l" rtl="0"/>
+            <a:endParaRPr lang="en-US" dirty="0"/>
+          </a:p>
+        </p:txBody>
+      </p:sp>
+    </p:spTree>
+    <p:extLst>
+      <p:ext uri="{BB962C8B-B14F-4D97-AF65-F5344CB8AC3E}">
+        <p14:creationId xmlns:p14="http://schemas.microsoft.com/office/powerpoint/2010/main" val="3501181250"/>
+      </p:ext>
+    </p:extLst>
+  </p:cSld>
+  <p:clrMapOvr>
+    <a:masterClrMapping/>
+  </p:clrMapOvr>
+</p:sld>
+</file>
+
+<file path=ppt/slides/slide8.xml><?xml version="1.0" encoding="utf-8"?>
+<p:sld xmlns:a="http://schemas.openxmlformats.org/drawingml/2006/main" xmlns:r="http://schemas.openxmlformats.org/officeDocument/2006/relationships" xmlns:p="http://schemas.openxmlformats.org/presentationml/2006/main">
+  <p:cSld>
+    <p:spTree>
+      <p:nvGrpSpPr>
+        <p:cNvPr id="1" name=""/>
+        <p:cNvGrpSpPr/>
+        <p:nvPr/>
+      </p:nvGrpSpPr>
+      <p:grpSpPr>
+        <a:xfrm>
+          <a:off x="0" y="0"/>
+          <a:ext cx="0" cy="0"/>
+          <a:chOff x="0" y="0"/>
+          <a:chExt cx="0" cy="0"/>
+        </a:xfrm>
+      </p:grpSpPr>
+      <p:sp>
+        <p:nvSpPr>
+          <p:cNvPr id="2" name="כותרת 1">
+            <a:extLst>
+              <a:ext uri="{FF2B5EF4-FFF2-40B4-BE49-F238E27FC236}">
+                <a16:creationId xmlns:a16="http://schemas.microsoft.com/office/drawing/2014/main" id="{5E071A4F-2BEE-90BB-AC2D-0D16E0692A13}"/>
+              </a:ext>
+            </a:extLst>
+          </p:cNvPr>
+          <p:cNvSpPr>
+            <a:spLocks noGrp="1"/>
+          </p:cNvSpPr>
+          <p:nvPr>
+            <p:ph type="title"/>
+          </p:nvPr>
+        </p:nvSpPr>
         <p:spPr/>
         <p:txBody>
           <a:bodyPr/>
@@ -7180,7 +7420,7 @@
     </p:spTree>
     <p:extLst>
       <p:ext uri="{BB962C8B-B14F-4D97-AF65-F5344CB8AC3E}">
-        <p14:creationId xmlns:p14="http://schemas.microsoft.com/office/powerpoint/2010/main" val="3501181250"/>
+        <p14:creationId xmlns:p14="http://schemas.microsoft.com/office/powerpoint/2010/main" val="1341488168"/>
       </p:ext>
     </p:extLst>
   </p:cSld>
@@ -7190,7 +7430,7 @@
 </p:sld>
 </file>
 
-<file path=ppt/slides/slide8.xml><?xml version="1.0" encoding="utf-8"?>
+<file path=ppt/slides/slide9.xml><?xml version="1.0" encoding="utf-8"?>
 <p:sld xmlns:a="http://schemas.openxmlformats.org/drawingml/2006/main" xmlns:r="http://schemas.openxmlformats.org/officeDocument/2006/relationships" xmlns:p="http://schemas.openxmlformats.org/presentationml/2006/main">
   <p:cSld>
     <p:spTree>
@@ -7403,95 +7643,6 @@
     <p:extLst>
       <p:ext uri="{BB962C8B-B14F-4D97-AF65-F5344CB8AC3E}">
         <p14:creationId xmlns:p14="http://schemas.microsoft.com/office/powerpoint/2010/main" val="451505132"/>
-      </p:ext>
-    </p:extLst>
-  </p:cSld>
-  <p:clrMapOvr>
-    <a:masterClrMapping/>
-  </p:clrMapOvr>
-</p:sld>
-</file>
-
-<file path=ppt/slides/slide9.xml><?xml version="1.0" encoding="utf-8"?>
-<p:sld xmlns:a="http://schemas.openxmlformats.org/drawingml/2006/main" xmlns:r="http://schemas.openxmlformats.org/officeDocument/2006/relationships" xmlns:p="http://schemas.openxmlformats.org/presentationml/2006/main">
-  <p:cSld>
-    <p:spTree>
-      <p:nvGrpSpPr>
-        <p:cNvPr id="1" name=""/>
-        <p:cNvGrpSpPr/>
-        <p:nvPr/>
-      </p:nvGrpSpPr>
-      <p:grpSpPr>
-        <a:xfrm>
-          <a:off x="0" y="0"/>
-          <a:ext cx="0" cy="0"/>
-          <a:chOff x="0" y="0"/>
-          <a:chExt cx="0" cy="0"/>
-        </a:xfrm>
-      </p:grpSpPr>
-      <p:sp>
-        <p:nvSpPr>
-          <p:cNvPr id="2" name="כותרת 1">
-            <a:extLst>
-              <a:ext uri="{FF2B5EF4-FFF2-40B4-BE49-F238E27FC236}">
-                <a16:creationId xmlns:a16="http://schemas.microsoft.com/office/drawing/2014/main" id="{5E071A4F-2BEE-90BB-AC2D-0D16E0692A13}"/>
-              </a:ext>
-            </a:extLst>
-          </p:cNvPr>
-          <p:cNvSpPr>
-            <a:spLocks noGrp="1"/>
-          </p:cNvSpPr>
-          <p:nvPr>
-            <p:ph type="title"/>
-          </p:nvPr>
-        </p:nvSpPr>
-        <p:spPr/>
-        <p:txBody>
-          <a:bodyPr/>
-          <a:lstStyle/>
-          <a:p>
-            <a:r>
-              <a:rPr lang="en-US" dirty="0"/>
-              <a:t>TIMELINE</a:t>
-            </a:r>
-            <a:endParaRPr lang="he-IL" dirty="0"/>
-          </a:p>
-        </p:txBody>
-      </p:sp>
-      <p:sp>
-        <p:nvSpPr>
-          <p:cNvPr id="3" name="מציין מיקום תוכן 2">
-            <a:extLst>
-              <a:ext uri="{FF2B5EF4-FFF2-40B4-BE49-F238E27FC236}">
-                <a16:creationId xmlns:a16="http://schemas.microsoft.com/office/drawing/2014/main" id="{0FDB27D4-C5D3-E0E8-53CD-9EE1A2DE842E}"/>
-              </a:ext>
-            </a:extLst>
-          </p:cNvPr>
-          <p:cNvSpPr>
-            <a:spLocks noGrp="1"/>
-          </p:cNvSpPr>
-          <p:nvPr>
-            <p:ph idx="1"/>
-          </p:nvPr>
-        </p:nvSpPr>
-        <p:spPr/>
-        <p:txBody>
-          <a:bodyPr/>
-          <a:lstStyle/>
-          <a:p>
-            <a:pPr algn="l" rtl="0"/>
-            <a:r>
-              <a:rPr lang="en-US" dirty="0" err="1"/>
-              <a:t>aaa</a:t>
-            </a:r>
-            <a:endParaRPr lang="he-IL" dirty="0"/>
-          </a:p>
-        </p:txBody>
-      </p:sp>
-    </p:spTree>
-    <p:extLst>
-      <p:ext uri="{BB962C8B-B14F-4D97-AF65-F5344CB8AC3E}">
-        <p14:creationId xmlns:p14="http://schemas.microsoft.com/office/powerpoint/2010/main" val="3879395397"/>
       </p:ext>
     </p:extLst>
   </p:cSld>
